--- a/presentation/EC4747Presentation.pptx
+++ b/presentation/EC4747Presentation.pptx
@@ -41,7 +41,7 @@
     <p:sldId id="290" r:id="rId35"/>
     <p:sldId id="299" r:id="rId36"/>
     <p:sldId id="300" r:id="rId37"/>
-    <p:sldId id="281" r:id="rId38"/>
+    <p:sldId id="303" r:id="rId38"/>
     <p:sldId id="301" r:id="rId39"/>
     <p:sldId id="302" r:id="rId40"/>
     <p:sldId id="283" r:id="rId41"/>
@@ -146,7 +146,7 @@
   </p:defaultTextStyle>
   <p:extLst>
     <p:ext uri="{EFAFB233-063F-42B5-8137-9DF3F51BA10A}">
-      <p15:sldGuideLst xmlns:p15="http://schemas.microsoft.com/office/powerpoint/2012/main" xmlns="">
+      <p15:sldGuideLst xmlns="" xmlns:p15="http://schemas.microsoft.com/office/powerpoint/2012/main">
         <p15:guide id="1" orient="horz" pos="2160">
           <p15:clr>
             <a:srgbClr val="A4A3A4"/>
@@ -30694,7 +30694,7 @@
           <a:graphicData uri="http://schemas.openxmlformats.org/presentationml/2006/ole">
             <mc:AlternateContent xmlns:mc="http://schemas.openxmlformats.org/markup-compatibility/2006">
               <mc:Choice xmlns:v="urn:schemas-microsoft-com:vml" Requires="v">
-                <p:oleObj spid="_x0000_s3118" name="Equation" r:id="rId3" imgW="2362200" imgH="431800" progId="Equation.3">
+                <p:oleObj spid="_x0000_s3125" name="Equation" r:id="rId3" imgW="2362200" imgH="431800" progId="Equation.3">
                   <p:embed/>
                 </p:oleObj>
               </mc:Choice>
@@ -31512,21 +31512,7 @@
                 <a:latin typeface="Arial Unicode MS" panose="020B0604020202020204" pitchFamily="34" charset="-128"/>
                 <a:cs typeface="Courier New" panose="02070309020205020404" pitchFamily="49" charset="0"/>
               </a:rPr>
-              <a:t>1 </a:t>
-            </a:r>
-            <a:r>
-              <a:rPr kumimoji="0" lang="en-US" altLang="en-US" sz="1800" b="0" i="0" u="none" strike="noStrike" cap="none" normalizeH="0" baseline="0" dirty="0" smtClean="0">
-                <a:ln>
-                  <a:noFill/>
-                </a:ln>
-                <a:solidFill>
-                  <a:srgbClr val="000090"/>
-                </a:solidFill>
-                <a:effectLst/>
-                <a:latin typeface="Arial Unicode MS" panose="020B0604020202020204" pitchFamily="34" charset="-128"/>
-                <a:cs typeface="Courier New" panose="02070309020205020404" pitchFamily="49" charset="0"/>
-              </a:rPr>
-              <a:t>too</a:t>
+              <a:t>1 too</a:t>
             </a:r>
             <a:endParaRPr lang="en-US" altLang="en-US" sz="1800" dirty="0" smtClean="0">
               <a:solidFill>
@@ -36708,7 +36694,7 @@
           <a:graphicData uri="http://schemas.openxmlformats.org/presentationml/2006/ole">
             <mc:AlternateContent xmlns:mc="http://schemas.openxmlformats.org/markup-compatibility/2006">
               <mc:Choice xmlns:v="urn:schemas-microsoft-com:vml" Requires="v">
-                <p:oleObj spid="_x0000_s5160" name="Equation" r:id="rId3" imgW="1130040" imgH="419040" progId="Equation.3">
+                <p:oleObj spid="_x0000_s5167" name="Equation" r:id="rId3" imgW="1130040" imgH="419040" progId="Equation.3">
                   <p:embed/>
                 </p:oleObj>
               </mc:Choice>
@@ -37317,7 +37303,7 @@
           <a:graphicData uri="http://schemas.openxmlformats.org/presentationml/2006/ole">
             <mc:AlternateContent xmlns:mc="http://schemas.openxmlformats.org/markup-compatibility/2006">
               <mc:Choice xmlns:v="urn:schemas-microsoft-com:vml" Requires="v">
-                <p:oleObj spid="_x0000_s4138" name="Equation" r:id="rId3" imgW="2577960" imgH="419040" progId="Equation.3">
+                <p:oleObj spid="_x0000_s4145" name="Equation" r:id="rId3" imgW="2577960" imgH="419040" progId="Equation.3">
                   <p:embed/>
                 </p:oleObj>
               </mc:Choice>
@@ -37493,7 +37479,7 @@
           <a:graphicData uri="http://schemas.openxmlformats.org/presentationml/2006/ole">
             <mc:AlternateContent xmlns:mc="http://schemas.openxmlformats.org/markup-compatibility/2006">
               <mc:Choice xmlns:v="urn:schemas-microsoft-com:vml" Requires="v">
-                <p:oleObj spid="_x0000_s6193" name="Equation" r:id="rId3" imgW="1028700" imgH="228600" progId="Equation.3">
+                <p:oleObj spid="_x0000_s6206" name="Equation" r:id="rId3" imgW="1028700" imgH="228600" progId="Equation.3">
                   <p:embed/>
                 </p:oleObj>
               </mc:Choice>
@@ -37550,7 +37536,7 @@
           <a:graphicData uri="http://schemas.openxmlformats.org/presentationml/2006/ole">
             <mc:AlternateContent xmlns:mc="http://schemas.openxmlformats.org/markup-compatibility/2006">
               <mc:Choice xmlns:v="urn:schemas-microsoft-com:vml" Requires="v">
-                <p:oleObj spid="_x0000_s6194" name="Equation" r:id="rId5" imgW="1003300" imgH="228600" progId="Equation.3">
+                <p:oleObj spid="_x0000_s6207" name="Equation" r:id="rId5" imgW="1003300" imgH="228600" progId="Equation.3">
                   <p:embed/>
                 </p:oleObj>
               </mc:Choice>
@@ -37769,7 +37755,7 @@
           <a:graphicData uri="http://schemas.openxmlformats.org/presentationml/2006/ole">
             <mc:AlternateContent xmlns:mc="http://schemas.openxmlformats.org/markup-compatibility/2006">
               <mc:Choice xmlns:v="urn:schemas-microsoft-com:vml" Requires="v">
-                <p:oleObj spid="_x0000_s7259" name="Equation" r:id="rId3" imgW="114300" imgH="165100" progId="Equation.3">
+                <p:oleObj spid="_x0000_s7284" name="Equation" r:id="rId3" imgW="114300" imgH="165100" progId="Equation.3">
                   <p:embed/>
                 </p:oleObj>
               </mc:Choice>
@@ -37813,25 +37799,25 @@
           <p:nvPr>
             <p:extLst>
               <p:ext uri="{D42A27DB-BD31-4B8C-83A1-F6EECF244321}">
-                <p14:modId xmlns:p14="http://schemas.microsoft.com/office/powerpoint/2010/main" val="2573073734"/>
+                <p14:modId xmlns:p14="http://schemas.microsoft.com/office/powerpoint/2010/main" val="2921594517"/>
               </p:ext>
             </p:extLst>
           </p:nvPr>
         </p:nvGraphicFramePr>
         <p:xfrm>
-          <a:off x="4039068" y="2116754"/>
-          <a:ext cx="2196372" cy="915354"/>
+          <a:off x="3763963" y="2116138"/>
+          <a:ext cx="2746375" cy="915987"/>
         </p:xfrm>
         <a:graphic>
           <a:graphicData uri="http://schemas.openxmlformats.org/presentationml/2006/ole">
             <mc:AlternateContent xmlns:mc="http://schemas.openxmlformats.org/markup-compatibility/2006">
               <mc:Choice xmlns:v="urn:schemas-microsoft-com:vml" Requires="v">
-                <p:oleObj spid="_x0000_s7260" name="Equation" r:id="rId5" imgW="457200" imgH="215900" progId="Equation.3">
+                <p:oleObj spid="_x0000_s7285" name="Equation" r:id="rId5" imgW="571500" imgH="215900" progId="Equation.3">
                   <p:embed/>
                 </p:oleObj>
               </mc:Choice>
               <mc:Fallback>
-                <p:oleObj name="Equation" r:id="rId5" imgW="457200" imgH="215900" progId="Equation.3">
+                <p:oleObj name="Equation" r:id="rId5" imgW="571500" imgH="215900" progId="Equation.3">
                   <p:embed/>
                   <p:pic>
                     <p:nvPicPr>
@@ -37847,8 +37833,8 @@
                     </p:blipFill>
                     <p:spPr>
                       <a:xfrm>
-                        <a:off x="4039068" y="2116754"/>
-                        <a:ext cx="2196372" cy="915354"/>
+                        <a:off x="3763963" y="2116138"/>
+                        <a:ext cx="2746375" cy="915987"/>
                       </a:xfrm>
                       <a:prstGeom prst="rect">
                         <a:avLst/>
@@ -37883,7 +37869,7 @@
           <a:graphicData uri="http://schemas.openxmlformats.org/presentationml/2006/ole">
             <mc:AlternateContent xmlns:mc="http://schemas.openxmlformats.org/markup-compatibility/2006">
               <mc:Choice xmlns:v="urn:schemas-microsoft-com:vml" Requires="v">
-                <p:oleObj spid="_x0000_s7261" name="Equation" r:id="rId7" imgW="1028700" imgH="228600" progId="Equation.3">
+                <p:oleObj spid="_x0000_s7286" name="Equation" r:id="rId7" imgW="1028700" imgH="228600" progId="Equation.3">
                   <p:embed/>
                 </p:oleObj>
               </mc:Choice>
@@ -37940,7 +37926,7 @@
           <a:graphicData uri="http://schemas.openxmlformats.org/presentationml/2006/ole">
             <mc:AlternateContent xmlns:mc="http://schemas.openxmlformats.org/markup-compatibility/2006">
               <mc:Choice xmlns:v="urn:schemas-microsoft-com:vml" Requires="v">
-                <p:oleObj spid="_x0000_s7262" name="Equation" r:id="rId9" imgW="1003300" imgH="228600" progId="Equation.3">
+                <p:oleObj spid="_x0000_s7287" name="Equation" r:id="rId9" imgW="1003300" imgH="228600" progId="Equation.3">
                   <p:embed/>
                 </p:oleObj>
               </mc:Choice>
@@ -38948,7 +38934,7 @@
           <a:graphicData uri="http://schemas.openxmlformats.org/presentationml/2006/ole">
             <mc:AlternateContent xmlns:mc="http://schemas.openxmlformats.org/markup-compatibility/2006">
               <mc:Choice xmlns:v="urn:schemas-microsoft-com:vml" Requires="v">
-                <p:oleObj spid="_x0000_s8197" name="Equation" r:id="rId3" imgW="2286000" imgH="431800" progId="Equation.3">
+                <p:oleObj spid="_x0000_s8204" name="Equation" r:id="rId3" imgW="2286000" imgH="431800" progId="Equation.3">
                   <p:embed/>
                 </p:oleObj>
               </mc:Choice>
@@ -39405,43 +39391,41 @@
       </p:grpSpPr>
       <p:sp>
         <p:nvSpPr>
-          <p:cNvPr id="2" name="Title 1"/>
-          <p:cNvSpPr>
-            <a:spLocks noGrp="1"/>
-          </p:cNvSpPr>
-          <p:nvPr>
-            <p:ph type="title" idx="4294967295"/>
-          </p:nvPr>
+          <p:cNvPr id="2" name="Rectangle 1"/>
+          <p:cNvSpPr/>
+          <p:nvPr/>
         </p:nvSpPr>
         <p:spPr>
           <a:xfrm>
-            <a:off x="1195424" y="333106"/>
-            <a:ext cx="10058400" cy="673100"/>
+            <a:off x="255832" y="257993"/>
+            <a:ext cx="1895120" cy="707886"/>
           </a:xfrm>
+          <a:prstGeom prst="rect">
+            <a:avLst/>
+          </a:prstGeom>
         </p:spPr>
         <p:txBody>
-          <a:bodyPr>
-            <a:normAutofit/>
+          <a:bodyPr wrap="none">
+            <a:spAutoFit/>
           </a:bodyPr>
           <a:lstStyle/>
           <a:p>
             <a:r>
-              <a:rPr lang="en-US" sz="4000" dirty="0" smtClean="0"/>
+              <a:rPr lang="en-US" sz="4000" dirty="0">
+                <a:latin typeface="+mj-lt"/>
+              </a:rPr>
               <a:t>Results</a:t>
             </a:r>
-            <a:endParaRPr lang="en-US" sz="4000" dirty="0"/>
           </a:p>
         </p:txBody>
       </p:sp>
       <p:pic>
         <p:nvPicPr>
-          <p:cNvPr id="4" name="Content Placeholder 3"/>
+          <p:cNvPr id="3" name="Picture 2" descr="average_term_frequency.png"/>
           <p:cNvPicPr>
-            <a:picLocks noGrp="1" noChangeAspect="1"/>
+            <a:picLocks noChangeAspect="1"/>
           </p:cNvPicPr>
-          <p:nvPr>
-            <p:ph idx="4294967295"/>
-          </p:nvPr>
+          <p:nvPr/>
         </p:nvPicPr>
         <p:blipFill>
           <a:blip r:embed="rId2">
@@ -39457,14 +39441,17 @@
         </p:blipFill>
         <p:spPr>
           <a:xfrm>
-            <a:off x="6498586" y="1094611"/>
-            <a:ext cx="2638621" cy="2638622"/>
+            <a:off x="3066233" y="0"/>
+            <a:ext cx="3180647" cy="3180647"/>
           </a:xfrm>
+          <a:prstGeom prst="rect">
+            <a:avLst/>
+          </a:prstGeom>
         </p:spPr>
       </p:pic>
       <p:pic>
         <p:nvPicPr>
-          <p:cNvPr id="5" name="Picture 4"/>
+          <p:cNvPr id="4" name="Picture 3" descr="average_tfidf_frequency.png"/>
           <p:cNvPicPr>
             <a:picLocks noChangeAspect="1"/>
           </p:cNvPicPr>
@@ -39484,8 +39471,8 @@
         </p:blipFill>
         <p:spPr>
           <a:xfrm>
-            <a:off x="6498587" y="3648214"/>
-            <a:ext cx="2639790" cy="2639790"/>
+            <a:off x="8043145" y="0"/>
+            <a:ext cx="3178560" cy="3178560"/>
           </a:xfrm>
           <a:prstGeom prst="rect">
             <a:avLst/>
@@ -39494,7 +39481,7 @@
       </p:pic>
       <p:pic>
         <p:nvPicPr>
-          <p:cNvPr id="6" name="Picture 5"/>
+          <p:cNvPr id="5" name="Picture 4" descr="top_ten_term_frequency.png"/>
           <p:cNvPicPr>
             <a:picLocks noChangeAspect="1"/>
           </p:cNvPicPr>
@@ -39514,8 +39501,8 @@
         </p:blipFill>
         <p:spPr>
           <a:xfrm>
-            <a:off x="1581805" y="1099154"/>
-            <a:ext cx="2639988" cy="2639988"/>
+            <a:off x="3077675" y="3122256"/>
+            <a:ext cx="3178560" cy="3178560"/>
           </a:xfrm>
           <a:prstGeom prst="rect">
             <a:avLst/>
@@ -39524,7 +39511,7 @@
       </p:pic>
       <p:pic>
         <p:nvPicPr>
-          <p:cNvPr id="7" name="Picture 6"/>
+          <p:cNvPr id="6" name="Picture 5" descr="document_similarity.png"/>
           <p:cNvPicPr>
             <a:picLocks noChangeAspect="1"/>
           </p:cNvPicPr>
@@ -39544,8 +39531,8 @@
         </p:blipFill>
         <p:spPr>
           <a:xfrm>
-            <a:off x="1601764" y="3728099"/>
-            <a:ext cx="2639999" cy="2639999"/>
+            <a:off x="8043145" y="3110814"/>
+            <a:ext cx="3178560" cy="3178560"/>
           </a:xfrm>
           <a:prstGeom prst="rect">
             <a:avLst/>
@@ -39555,20 +39542,13 @@
     </p:spTree>
     <p:extLst>
       <p:ext uri="{BB962C8B-B14F-4D97-AF65-F5344CB8AC3E}">
-        <p14:creationId xmlns:p14="http://schemas.microsoft.com/office/powerpoint/2010/main" val="2417943972"/>
+        <p14:creationId xmlns:p14="http://schemas.microsoft.com/office/powerpoint/2010/main" val="2080443546"/>
       </p:ext>
     </p:extLst>
   </p:cSld>
   <p:clrMapOvr>
     <a:masterClrMapping/>
   </p:clrMapOvr>
-  <p:timing>
-    <p:tnLst>
-      <p:par>
-        <p:cTn xmlns:p14="http://schemas.microsoft.com/office/powerpoint/2010/main" id="1" dur="indefinite" restart="never" nodeType="tmRoot"/>
-      </p:par>
-    </p:tnLst>
-  </p:timing>
 </p:sld>
 </file>
 
@@ -42008,7 +41988,7 @@
   <a:extraClrSchemeLst/>
   <a:extLst>
     <a:ext uri="{05A4C25C-085E-4340-85A3-A5531E510DB2}">
-      <thm15:themeFamily xmlns:thm15="http://schemas.microsoft.com/office/thememl/2012/main" xmlns="" name="Retrospect" id="{5F128B03-DCCA-4EEB-AB3B-CF2899314A46}" vid="{243AF7DC-D15B-41C0-AE81-23980D1B9FC4}"/>
+      <thm15:themeFamily xmlns="" xmlns:thm15="http://schemas.microsoft.com/office/thememl/2012/main" name="Retrospect" id="{5F128B03-DCCA-4EEB-AB3B-CF2899314A46}" vid="{243AF7DC-D15B-41C0-AE81-23980D1B9FC4}"/>
     </a:ext>
   </a:extLst>
 </a:theme>

--- a/presentation/EC4747Presentation.pptx
+++ b/presentation/EC4747Presentation.pptx
@@ -146,7 +146,7 @@
   </p:defaultTextStyle>
   <p:extLst>
     <p:ext uri="{EFAFB233-063F-42B5-8137-9DF3F51BA10A}">
-      <p15:sldGuideLst xmlns="" xmlns:p15="http://schemas.microsoft.com/office/powerpoint/2012/main">
+      <p15:sldGuideLst xmlns:p15="http://schemas.microsoft.com/office/powerpoint/2012/main" xmlns="">
         <p15:guide id="1" orient="horz" pos="2160">
           <p15:clr>
             <a:srgbClr val="A4A3A4"/>
@@ -24756,28 +24756,22 @@
       </p:sp>
       <p:pic>
         <p:nvPicPr>
-          <p:cNvPr id="3" name="Picture 2"/>
+          <p:cNvPr id="6" name="Picture 5"/>
           <p:cNvPicPr>
             <a:picLocks noChangeAspect="1"/>
           </p:cNvPicPr>
           <p:nvPr/>
         </p:nvPicPr>
         <p:blipFill>
-          <a:blip r:embed="rId2">
-            <a:extLst>
-              <a:ext uri="{28A0092B-C50C-407E-A947-70E740481C1C}">
-                <a14:useLocalDpi xmlns:a14="http://schemas.microsoft.com/office/drawing/2010/main" val="0"/>
-              </a:ext>
-            </a:extLst>
-          </a:blip>
+          <a:blip r:embed="rId2"/>
           <a:stretch>
             <a:fillRect/>
           </a:stretch>
         </p:blipFill>
         <p:spPr>
           <a:xfrm>
-            <a:off x="4000294" y="1867517"/>
-            <a:ext cx="4252372" cy="4252372"/>
+            <a:off x="4324764" y="1966694"/>
+            <a:ext cx="4288354" cy="4288354"/>
           </a:xfrm>
           <a:prstGeom prst="rect">
             <a:avLst/>
@@ -24846,28 +24840,22 @@
       </p:sp>
       <p:pic>
         <p:nvPicPr>
-          <p:cNvPr id="3" name="Picture 2"/>
+          <p:cNvPr id="4" name="Picture 3"/>
           <p:cNvPicPr>
             <a:picLocks noChangeAspect="1"/>
           </p:cNvPicPr>
           <p:nvPr/>
         </p:nvPicPr>
         <p:blipFill>
-          <a:blip r:embed="rId2">
-            <a:extLst>
-              <a:ext uri="{28A0092B-C50C-407E-A947-70E740481C1C}">
-                <a14:useLocalDpi xmlns:a14="http://schemas.microsoft.com/office/drawing/2010/main" val="0"/>
-              </a:ext>
-            </a:extLst>
-          </a:blip>
+          <a:blip r:embed="rId2"/>
           <a:stretch>
             <a:fillRect/>
           </a:stretch>
         </p:blipFill>
         <p:spPr>
           <a:xfrm>
-            <a:off x="4019653" y="1929714"/>
-            <a:ext cx="4213654" cy="4213654"/>
+            <a:off x="4084498" y="1966679"/>
+            <a:ext cx="4082413" cy="4082413"/>
           </a:xfrm>
           <a:prstGeom prst="rect">
             <a:avLst/>
@@ -24938,28 +24926,22 @@
       </p:sp>
       <p:pic>
         <p:nvPicPr>
-          <p:cNvPr id="3" name="Picture 2"/>
+          <p:cNvPr id="4" name="Picture 3"/>
           <p:cNvPicPr>
             <a:picLocks noChangeAspect="1"/>
           </p:cNvPicPr>
           <p:nvPr/>
         </p:nvPicPr>
         <p:blipFill>
-          <a:blip r:embed="rId2">
-            <a:extLst>
-              <a:ext uri="{28A0092B-C50C-407E-A947-70E740481C1C}">
-                <a14:useLocalDpi xmlns:a14="http://schemas.microsoft.com/office/drawing/2010/main" val="0"/>
-              </a:ext>
-            </a:extLst>
-          </a:blip>
+          <a:blip r:embed="rId2"/>
           <a:stretch>
             <a:fillRect/>
           </a:stretch>
         </p:blipFill>
         <p:spPr>
           <a:xfrm>
-            <a:off x="3933155" y="1807381"/>
-            <a:ext cx="4386649" cy="4386649"/>
+            <a:off x="4278999" y="1966677"/>
+            <a:ext cx="4036648" cy="4036648"/>
           </a:xfrm>
           <a:prstGeom prst="rect">
             <a:avLst/>
@@ -29200,6 +29182,14 @@
               <a:t>Postfix</a:t>
             </a:r>
           </a:p>
+          <a:p>
+            <a:pPr lvl="1"/>
+            <a:r>
+              <a:rPr lang="en-US" sz="2800" dirty="0"/>
+              <a:t>R</a:t>
+            </a:r>
+            <a:endParaRPr lang="en-US" sz="2800" dirty="0" smtClean="0"/>
+          </a:p>
         </p:txBody>
       </p:sp>
     </p:spTree>
@@ -30694,7 +30684,7 @@
           <a:graphicData uri="http://schemas.openxmlformats.org/presentationml/2006/ole">
             <mc:AlternateContent xmlns:mc="http://schemas.openxmlformats.org/markup-compatibility/2006">
               <mc:Choice xmlns:v="urn:schemas-microsoft-com:vml" Requires="v">
-                <p:oleObj spid="_x0000_s3125" name="Equation" r:id="rId3" imgW="2362200" imgH="431800" progId="Equation.3">
+                <p:oleObj spid="_x0000_s3131" name="Equation" r:id="rId3" imgW="2362200" imgH="431800" progId="Equation.3">
                   <p:embed/>
                 </p:oleObj>
               </mc:Choice>
@@ -36694,7 +36684,7 @@
           <a:graphicData uri="http://schemas.openxmlformats.org/presentationml/2006/ole">
             <mc:AlternateContent xmlns:mc="http://schemas.openxmlformats.org/markup-compatibility/2006">
               <mc:Choice xmlns:v="urn:schemas-microsoft-com:vml" Requires="v">
-                <p:oleObj spid="_x0000_s5167" name="Equation" r:id="rId3" imgW="1130040" imgH="419040" progId="Equation.3">
+                <p:oleObj spid="_x0000_s5173" name="Equation" r:id="rId3" imgW="1130040" imgH="419040" progId="Equation.3">
                   <p:embed/>
                 </p:oleObj>
               </mc:Choice>
@@ -37303,7 +37293,7 @@
           <a:graphicData uri="http://schemas.openxmlformats.org/presentationml/2006/ole">
             <mc:AlternateContent xmlns:mc="http://schemas.openxmlformats.org/markup-compatibility/2006">
               <mc:Choice xmlns:v="urn:schemas-microsoft-com:vml" Requires="v">
-                <p:oleObj spid="_x0000_s4145" name="Equation" r:id="rId3" imgW="2577960" imgH="419040" progId="Equation.3">
+                <p:oleObj spid="_x0000_s4151" name="Equation" r:id="rId3" imgW="2577960" imgH="419040" progId="Equation.3">
                   <p:embed/>
                 </p:oleObj>
               </mc:Choice>
@@ -37479,7 +37469,7 @@
           <a:graphicData uri="http://schemas.openxmlformats.org/presentationml/2006/ole">
             <mc:AlternateContent xmlns:mc="http://schemas.openxmlformats.org/markup-compatibility/2006">
               <mc:Choice xmlns:v="urn:schemas-microsoft-com:vml" Requires="v">
-                <p:oleObj spid="_x0000_s6206" name="Equation" r:id="rId3" imgW="1028700" imgH="228600" progId="Equation.3">
+                <p:oleObj spid="_x0000_s6217" name="Equation" r:id="rId3" imgW="1028700" imgH="228600" progId="Equation.3">
                   <p:embed/>
                 </p:oleObj>
               </mc:Choice>
@@ -37536,7 +37526,7 @@
           <a:graphicData uri="http://schemas.openxmlformats.org/presentationml/2006/ole">
             <mc:AlternateContent xmlns:mc="http://schemas.openxmlformats.org/markup-compatibility/2006">
               <mc:Choice xmlns:v="urn:schemas-microsoft-com:vml" Requires="v">
-                <p:oleObj spid="_x0000_s6207" name="Equation" r:id="rId5" imgW="1003300" imgH="228600" progId="Equation.3">
+                <p:oleObj spid="_x0000_s6218" name="Equation" r:id="rId5" imgW="1003300" imgH="228600" progId="Equation.3">
                   <p:embed/>
                 </p:oleObj>
               </mc:Choice>
@@ -37755,7 +37745,7 @@
           <a:graphicData uri="http://schemas.openxmlformats.org/presentationml/2006/ole">
             <mc:AlternateContent xmlns:mc="http://schemas.openxmlformats.org/markup-compatibility/2006">
               <mc:Choice xmlns:v="urn:schemas-microsoft-com:vml" Requires="v">
-                <p:oleObj spid="_x0000_s7284" name="Equation" r:id="rId3" imgW="114300" imgH="165100" progId="Equation.3">
+                <p:oleObj spid="_x0000_s7305" name="Equation" r:id="rId3" imgW="114300" imgH="165100" progId="Equation.3">
                   <p:embed/>
                 </p:oleObj>
               </mc:Choice>
@@ -37799,20 +37789,20 @@
           <p:nvPr>
             <p:extLst>
               <p:ext uri="{D42A27DB-BD31-4B8C-83A1-F6EECF244321}">
-                <p14:modId xmlns:p14="http://schemas.microsoft.com/office/powerpoint/2010/main" val="2921594517"/>
+                <p14:modId xmlns:p14="http://schemas.microsoft.com/office/powerpoint/2010/main" val="2530424279"/>
               </p:ext>
             </p:extLst>
           </p:nvPr>
         </p:nvGraphicFramePr>
         <p:xfrm>
-          <a:off x="3763963" y="2116138"/>
-          <a:ext cx="2746375" cy="915987"/>
+          <a:off x="3889817" y="2013162"/>
+          <a:ext cx="2425712" cy="809038"/>
         </p:xfrm>
         <a:graphic>
           <a:graphicData uri="http://schemas.openxmlformats.org/presentationml/2006/ole">
             <mc:AlternateContent xmlns:mc="http://schemas.openxmlformats.org/markup-compatibility/2006">
               <mc:Choice xmlns:v="urn:schemas-microsoft-com:vml" Requires="v">
-                <p:oleObj spid="_x0000_s7285" name="Equation" r:id="rId5" imgW="571500" imgH="215900" progId="Equation.3">
+                <p:oleObj spid="_x0000_s7306" name="Equation" r:id="rId5" imgW="571500" imgH="215900" progId="Equation.3">
                   <p:embed/>
                 </p:oleObj>
               </mc:Choice>
@@ -37833,8 +37823,8 @@
                     </p:blipFill>
                     <p:spPr>
                       <a:xfrm>
-                        <a:off x="3763963" y="2116138"/>
-                        <a:ext cx="2746375" cy="915987"/>
+                        <a:off x="3889817" y="2013162"/>
+                        <a:ext cx="2425712" cy="809038"/>
                       </a:xfrm>
                       <a:prstGeom prst="rect">
                         <a:avLst/>
@@ -37869,7 +37859,7 @@
           <a:graphicData uri="http://schemas.openxmlformats.org/presentationml/2006/ole">
             <mc:AlternateContent xmlns:mc="http://schemas.openxmlformats.org/markup-compatibility/2006">
               <mc:Choice xmlns:v="urn:schemas-microsoft-com:vml" Requires="v">
-                <p:oleObj spid="_x0000_s7286" name="Equation" r:id="rId7" imgW="1028700" imgH="228600" progId="Equation.3">
+                <p:oleObj spid="_x0000_s7307" name="Equation" r:id="rId7" imgW="1028700" imgH="228600" progId="Equation.3">
                   <p:embed/>
                 </p:oleObj>
               </mc:Choice>
@@ -37926,7 +37916,7 @@
           <a:graphicData uri="http://schemas.openxmlformats.org/presentationml/2006/ole">
             <mc:AlternateContent xmlns:mc="http://schemas.openxmlformats.org/markup-compatibility/2006">
               <mc:Choice xmlns:v="urn:schemas-microsoft-com:vml" Requires="v">
-                <p:oleObj spid="_x0000_s7287" name="Equation" r:id="rId9" imgW="1003300" imgH="228600" progId="Equation.3">
+                <p:oleObj spid="_x0000_s7308" name="Equation" r:id="rId9" imgW="1003300" imgH="228600" progId="Equation.3">
                   <p:embed/>
                 </p:oleObj>
               </mc:Choice>
@@ -38934,7 +38924,7 @@
           <a:graphicData uri="http://schemas.openxmlformats.org/presentationml/2006/ole">
             <mc:AlternateContent xmlns:mc="http://schemas.openxmlformats.org/markup-compatibility/2006">
               <mc:Choice xmlns:v="urn:schemas-microsoft-com:vml" Requires="v">
-                <p:oleObj spid="_x0000_s8204" name="Equation" r:id="rId3" imgW="2286000" imgH="431800" progId="Equation.3">
+                <p:oleObj spid="_x0000_s8210" name="Equation" r:id="rId3" imgW="2286000" imgH="431800" progId="Equation.3">
                   <p:embed/>
                 </p:oleObj>
               </mc:Choice>
@@ -40377,31 +40367,26 @@
       </p:sp>
       <p:pic>
         <p:nvPicPr>
-          <p:cNvPr id="4" name="Content Placeholder 3"/>
+          <p:cNvPr id="5" name="Picture 4"/>
           <p:cNvPicPr>
-            <a:picLocks noGrp="1" noChangeAspect="1"/>
+            <a:picLocks noChangeAspect="1"/>
           </p:cNvPicPr>
-          <p:nvPr>
-            <p:ph idx="1"/>
-          </p:nvPr>
+          <p:nvPr/>
         </p:nvPicPr>
         <p:blipFill>
-          <a:blip r:embed="rId2">
-            <a:extLst>
-              <a:ext uri="{28A0092B-C50C-407E-A947-70E740481C1C}">
-                <a14:useLocalDpi xmlns:a14="http://schemas.microsoft.com/office/drawing/2010/main" val="0"/>
-              </a:ext>
-            </a:extLst>
-          </a:blip>
+          <a:blip r:embed="rId2"/>
           <a:stretch>
             <a:fillRect/>
           </a:stretch>
         </p:blipFill>
         <p:spPr>
           <a:xfrm>
-            <a:off x="4114800" y="1846263"/>
-            <a:ext cx="4022725" cy="4022725"/>
+            <a:off x="3787028" y="1795053"/>
+            <a:ext cx="4128178" cy="4128178"/>
           </a:xfrm>
+          <a:prstGeom prst="rect">
+            <a:avLst/>
+          </a:prstGeom>
         </p:spPr>
       </p:pic>
     </p:spTree>
@@ -41988,7 +41973,7 @@
   <a:extraClrSchemeLst/>
   <a:extLst>
     <a:ext uri="{05A4C25C-085E-4340-85A3-A5531E510DB2}">
-      <thm15:themeFamily xmlns="" xmlns:thm15="http://schemas.microsoft.com/office/thememl/2012/main" name="Retrospect" id="{5F128B03-DCCA-4EEB-AB3B-CF2899314A46}" vid="{243AF7DC-D15B-41C0-AE81-23980D1B9FC4}"/>
+      <thm15:themeFamily xmlns:thm15="http://schemas.microsoft.com/office/thememl/2012/main" xmlns="" name="Retrospect" id="{5F128B03-DCCA-4EEB-AB3B-CF2899314A46}" vid="{243AF7DC-D15B-41C0-AE81-23980D1B9FC4}"/>
     </a:ext>
   </a:extLst>
 </a:theme>

--- a/presentation/EC4747Presentation.pptx
+++ b/presentation/EC4747Presentation.pptx
@@ -204,7 +204,6 @@
           </a:p>
         </c:rich>
       </c:tx>
-      <c:layout/>
       <c:overlay val="0"/>
       <c:spPr>
         <a:noFill/>
@@ -369,7 +368,6 @@
     </c:plotArea>
     <c:legend>
       <c:legendPos val="b"/>
-      <c:layout/>
       <c:overlay val="0"/>
       <c:spPr>
         <a:noFill/>
@@ -30684,7 +30682,7 @@
           <a:graphicData uri="http://schemas.openxmlformats.org/presentationml/2006/ole">
             <mc:AlternateContent xmlns:mc="http://schemas.openxmlformats.org/markup-compatibility/2006">
               <mc:Choice xmlns:v="urn:schemas-microsoft-com:vml" Requires="v">
-                <p:oleObj spid="_x0000_s3131" name="Equation" r:id="rId3" imgW="2362200" imgH="431800" progId="Equation.3">
+                <p:oleObj spid="_x0000_s3136" name="Equation" r:id="rId3" imgW="2362200" imgH="431800" progId="Equation.3">
                   <p:embed/>
                 </p:oleObj>
               </mc:Choice>
@@ -36684,7 +36682,7 @@
           <a:graphicData uri="http://schemas.openxmlformats.org/presentationml/2006/ole">
             <mc:AlternateContent xmlns:mc="http://schemas.openxmlformats.org/markup-compatibility/2006">
               <mc:Choice xmlns:v="urn:schemas-microsoft-com:vml" Requires="v">
-                <p:oleObj spid="_x0000_s5173" name="Equation" r:id="rId3" imgW="1130040" imgH="419040" progId="Equation.3">
+                <p:oleObj spid="_x0000_s5178" name="Equation" r:id="rId3" imgW="1130040" imgH="419040" progId="Equation.3">
                   <p:embed/>
                 </p:oleObj>
               </mc:Choice>
@@ -37293,7 +37291,7 @@
           <a:graphicData uri="http://schemas.openxmlformats.org/presentationml/2006/ole">
             <mc:AlternateContent xmlns:mc="http://schemas.openxmlformats.org/markup-compatibility/2006">
               <mc:Choice xmlns:v="urn:schemas-microsoft-com:vml" Requires="v">
-                <p:oleObj spid="_x0000_s4151" name="Equation" r:id="rId3" imgW="2577960" imgH="419040" progId="Equation.3">
+                <p:oleObj spid="_x0000_s4156" name="Equation" r:id="rId3" imgW="2577960" imgH="419040" progId="Equation.3">
                   <p:embed/>
                 </p:oleObj>
               </mc:Choice>
@@ -37469,7 +37467,7 @@
           <a:graphicData uri="http://schemas.openxmlformats.org/presentationml/2006/ole">
             <mc:AlternateContent xmlns:mc="http://schemas.openxmlformats.org/markup-compatibility/2006">
               <mc:Choice xmlns:v="urn:schemas-microsoft-com:vml" Requires="v">
-                <p:oleObj spid="_x0000_s6217" name="Equation" r:id="rId3" imgW="1028700" imgH="228600" progId="Equation.3">
+                <p:oleObj spid="_x0000_s6225" name="Equation" r:id="rId3" imgW="1028700" imgH="228600" progId="Equation.3">
                   <p:embed/>
                 </p:oleObj>
               </mc:Choice>
@@ -37526,7 +37524,7 @@
           <a:graphicData uri="http://schemas.openxmlformats.org/presentationml/2006/ole">
             <mc:AlternateContent xmlns:mc="http://schemas.openxmlformats.org/markup-compatibility/2006">
               <mc:Choice xmlns:v="urn:schemas-microsoft-com:vml" Requires="v">
-                <p:oleObj spid="_x0000_s6218" name="Equation" r:id="rId5" imgW="1003300" imgH="228600" progId="Equation.3">
+                <p:oleObj spid="_x0000_s6226" name="Equation" r:id="rId5" imgW="1003300" imgH="228600" progId="Equation.3">
                   <p:embed/>
                 </p:oleObj>
               </mc:Choice>
@@ -37745,7 +37743,7 @@
           <a:graphicData uri="http://schemas.openxmlformats.org/presentationml/2006/ole">
             <mc:AlternateContent xmlns:mc="http://schemas.openxmlformats.org/markup-compatibility/2006">
               <mc:Choice xmlns:v="urn:schemas-microsoft-com:vml" Requires="v">
-                <p:oleObj spid="_x0000_s7305" name="Equation" r:id="rId3" imgW="114300" imgH="165100" progId="Equation.3">
+                <p:oleObj spid="_x0000_s7319" name="Equation" r:id="rId3" imgW="114300" imgH="165100" progId="Equation.3">
                   <p:embed/>
                 </p:oleObj>
               </mc:Choice>
@@ -37802,7 +37800,7 @@
           <a:graphicData uri="http://schemas.openxmlformats.org/presentationml/2006/ole">
             <mc:AlternateContent xmlns:mc="http://schemas.openxmlformats.org/markup-compatibility/2006">
               <mc:Choice xmlns:v="urn:schemas-microsoft-com:vml" Requires="v">
-                <p:oleObj spid="_x0000_s7306" name="Equation" r:id="rId5" imgW="571500" imgH="215900" progId="Equation.3">
+                <p:oleObj spid="_x0000_s7320" name="Equation" r:id="rId5" imgW="571500" imgH="215900" progId="Equation.3">
                   <p:embed/>
                 </p:oleObj>
               </mc:Choice>
@@ -37859,7 +37857,7 @@
           <a:graphicData uri="http://schemas.openxmlformats.org/presentationml/2006/ole">
             <mc:AlternateContent xmlns:mc="http://schemas.openxmlformats.org/markup-compatibility/2006">
               <mc:Choice xmlns:v="urn:schemas-microsoft-com:vml" Requires="v">
-                <p:oleObj spid="_x0000_s7307" name="Equation" r:id="rId7" imgW="1028700" imgH="228600" progId="Equation.3">
+                <p:oleObj spid="_x0000_s7321" name="Equation" r:id="rId7" imgW="1028700" imgH="228600" progId="Equation.3">
                   <p:embed/>
                 </p:oleObj>
               </mc:Choice>
@@ -37916,7 +37914,7 @@
           <a:graphicData uri="http://schemas.openxmlformats.org/presentationml/2006/ole">
             <mc:AlternateContent xmlns:mc="http://schemas.openxmlformats.org/markup-compatibility/2006">
               <mc:Choice xmlns:v="urn:schemas-microsoft-com:vml" Requires="v">
-                <p:oleObj spid="_x0000_s7308" name="Equation" r:id="rId9" imgW="1003300" imgH="228600" progId="Equation.3">
+                <p:oleObj spid="_x0000_s7322" name="Equation" r:id="rId9" imgW="1003300" imgH="228600" progId="Equation.3">
                   <p:embed/>
                 </p:oleObj>
               </mc:Choice>
@@ -38615,18 +38613,18 @@
         </p:nvSpPr>
         <p:spPr>
           <a:xfrm>
-            <a:off x="0" y="0"/>
-            <a:ext cx="10058400" cy="743725"/>
+            <a:off x="0" y="1"/>
+            <a:ext cx="10058400" cy="549212"/>
           </a:xfrm>
         </p:spPr>
         <p:txBody>
           <a:bodyPr>
-            <a:normAutofit/>
+            <a:normAutofit fontScale="90000"/>
           </a:bodyPr>
           <a:lstStyle/>
           <a:p>
             <a:r>
-              <a:rPr lang="en-US" sz="4000" dirty="0"/>
+              <a:rPr lang="en-US" sz="3600" dirty="0"/>
               <a:t>Discriminating Between Ham &amp; Spam</a:t>
             </a:r>
           </a:p>
@@ -38654,7 +38652,7 @@
         </p:blipFill>
         <p:spPr>
           <a:xfrm>
-            <a:off x="2116617" y="707997"/>
+            <a:off x="6418498" y="593577"/>
             <a:ext cx="2972618" cy="2972618"/>
           </a:xfrm>
           <a:prstGeom prst="rect">
@@ -38684,7 +38682,7 @@
         </p:blipFill>
         <p:spPr>
           <a:xfrm>
-            <a:off x="2105176" y="3561332"/>
+            <a:off x="1670412" y="597876"/>
             <a:ext cx="2964852" cy="2964852"/>
           </a:xfrm>
           <a:prstGeom prst="rect">
@@ -38714,7 +38712,7 @@
         </p:blipFill>
         <p:spPr>
           <a:xfrm>
-            <a:off x="7024880" y="639345"/>
+            <a:off x="6407056" y="3454057"/>
             <a:ext cx="2972619" cy="2972619"/>
           </a:xfrm>
           <a:prstGeom prst="rect">
@@ -38744,7 +38742,7 @@
         </p:blipFill>
         <p:spPr>
           <a:xfrm>
-            <a:off x="7024879" y="3602802"/>
+            <a:off x="1647528" y="3534151"/>
             <a:ext cx="2972619" cy="2972619"/>
           </a:xfrm>
           <a:prstGeom prst="rect">
@@ -38924,7 +38922,7 @@
           <a:graphicData uri="http://schemas.openxmlformats.org/presentationml/2006/ole">
             <mc:AlternateContent xmlns:mc="http://schemas.openxmlformats.org/markup-compatibility/2006">
               <mc:Choice xmlns:v="urn:schemas-microsoft-com:vml" Requires="v">
-                <p:oleObj spid="_x0000_s8210" name="Equation" r:id="rId3" imgW="2286000" imgH="431800" progId="Equation.3">
+                <p:oleObj spid="_x0000_s8215" name="Equation" r:id="rId3" imgW="2286000" imgH="431800" progId="Equation.3">
                   <p:embed/>
                 </p:oleObj>
               </mc:Choice>
@@ -39074,7 +39072,7 @@
           <p:nvPr>
             <p:extLst>
               <p:ext uri="{D42A27DB-BD31-4B8C-83A1-F6EECF244321}">
-                <p14:modId xmlns:p14="http://schemas.microsoft.com/office/powerpoint/2010/main" val="192919344"/>
+                <p14:modId xmlns:p14="http://schemas.microsoft.com/office/powerpoint/2010/main" val="187959363"/>
               </p:ext>
             </p:extLst>
           </p:nvPr>
@@ -39232,16 +39230,20 @@
                     <a:p>
                       <a:pPr algn="ctr"/>
                       <a:r>
-                        <a:rPr lang="en-US" dirty="0" smtClean="0"/>
+                        <a:rPr lang="en-US" smtClean="0"/>
                         <a:t>m</a:t>
                       </a:r>
                       <a:r>
-                        <a:rPr lang="en-US" baseline="-25000" dirty="0" smtClean="0"/>
-                        <a:t>oo</a:t>
+                        <a:rPr lang="en-US" baseline="-25000" smtClean="0"/>
+                        <a:t>00</a:t>
+                      </a:r>
+                      <a:r>
+                        <a:rPr lang="en-US" smtClean="0"/>
+                        <a:t>(</a:t>
                       </a:r>
                       <a:r>
                         <a:rPr lang="en-US" dirty="0" smtClean="0"/>
-                        <a:t>(t)</a:t>
+                        <a:t>t)</a:t>
                       </a:r>
                       <a:endParaRPr lang="en-US" dirty="0"/>
                     </a:p>
@@ -39431,7 +39433,7 @@
         </p:blipFill>
         <p:spPr>
           <a:xfrm>
-            <a:off x="3066233" y="0"/>
+            <a:off x="6818938" y="0"/>
             <a:ext cx="3180647" cy="3180647"/>
           </a:xfrm>
           <a:prstGeom prst="rect">
@@ -39461,7 +39463,7 @@
         </p:blipFill>
         <p:spPr>
           <a:xfrm>
-            <a:off x="8043145" y="0"/>
+            <a:off x="2997589" y="3146528"/>
             <a:ext cx="3178560" cy="3178560"/>
           </a:xfrm>
           <a:prstGeom prst="rect">
@@ -39491,7 +39493,7 @@
         </p:blipFill>
         <p:spPr>
           <a:xfrm>
-            <a:off x="3077675" y="3122256"/>
+            <a:off x="6818938" y="3087931"/>
             <a:ext cx="3178560" cy="3178560"/>
           </a:xfrm>
           <a:prstGeom prst="rect">
@@ -39521,7 +39523,7 @@
         </p:blipFill>
         <p:spPr>
           <a:xfrm>
-            <a:off x="8043145" y="3110814"/>
+            <a:off x="3009028" y="0"/>
             <a:ext cx="3178560" cy="3178560"/>
           </a:xfrm>
           <a:prstGeom prst="rect">
